--- a/pics/2019-07-27_PCA/pics.pptx
+++ b/pics/2019-07-27_PCA/pics.pptx
@@ -6,6 +6,7 @@
   </p:sldMasterIdLst>
   <p:sldIdLst>
     <p:sldId id="256" r:id="rId2"/>
+    <p:sldId id="257" r:id="rId3"/>
   </p:sldIdLst>
   <p:sldSz cx="12192000" cy="6858000"/>
   <p:notesSz cx="6858000" cy="9144000"/>
@@ -104,6 +105,11 @@
       </a:defRPr>
     </a:lvl9pPr>
   </p:defaultTextStyle>
+  <p:extLst>
+    <p:ext uri="{EFAFB233-063F-42B5-8137-9DF3F51BA10A}">
+      <p15:sldGuideLst xmlns:p15="http://schemas.microsoft.com/office/powerpoint/2012/main"/>
+    </p:ext>
+  </p:extLst>
 </p:presentation>
 </file>
 
@@ -254,7 +260,7 @@
           <a:p>
             <a:fld id="{054393DD-1D6D-4532-BDBC-5DEC31BDB2DC}" type="datetimeFigureOut">
               <a:rPr lang="ko-KR" altLang="en-US" smtClean="0"/>
-              <a:t>2019-07-31</a:t>
+              <a:t>2019-08-01</a:t>
             </a:fld>
             <a:endParaRPr lang="ko-KR" altLang="en-US"/>
           </a:p>
@@ -452,7 +458,7 @@
           <a:p>
             <a:fld id="{054393DD-1D6D-4532-BDBC-5DEC31BDB2DC}" type="datetimeFigureOut">
               <a:rPr lang="ko-KR" altLang="en-US" smtClean="0"/>
-              <a:t>2019-07-31</a:t>
+              <a:t>2019-08-01</a:t>
             </a:fld>
             <a:endParaRPr lang="ko-KR" altLang="en-US"/>
           </a:p>
@@ -660,7 +666,7 @@
           <a:p>
             <a:fld id="{054393DD-1D6D-4532-BDBC-5DEC31BDB2DC}" type="datetimeFigureOut">
               <a:rPr lang="ko-KR" altLang="en-US" smtClean="0"/>
-              <a:t>2019-07-31</a:t>
+              <a:t>2019-08-01</a:t>
             </a:fld>
             <a:endParaRPr lang="ko-KR" altLang="en-US"/>
           </a:p>
@@ -858,7 +864,7 @@
           <a:p>
             <a:fld id="{054393DD-1D6D-4532-BDBC-5DEC31BDB2DC}" type="datetimeFigureOut">
               <a:rPr lang="ko-KR" altLang="en-US" smtClean="0"/>
-              <a:t>2019-07-31</a:t>
+              <a:t>2019-08-01</a:t>
             </a:fld>
             <a:endParaRPr lang="ko-KR" altLang="en-US"/>
           </a:p>
@@ -1133,7 +1139,7 @@
           <a:p>
             <a:fld id="{054393DD-1D6D-4532-BDBC-5DEC31BDB2DC}" type="datetimeFigureOut">
               <a:rPr lang="ko-KR" altLang="en-US" smtClean="0"/>
-              <a:t>2019-07-31</a:t>
+              <a:t>2019-08-01</a:t>
             </a:fld>
             <a:endParaRPr lang="ko-KR" altLang="en-US"/>
           </a:p>
@@ -1398,7 +1404,7 @@
           <a:p>
             <a:fld id="{054393DD-1D6D-4532-BDBC-5DEC31BDB2DC}" type="datetimeFigureOut">
               <a:rPr lang="ko-KR" altLang="en-US" smtClean="0"/>
-              <a:t>2019-07-31</a:t>
+              <a:t>2019-08-01</a:t>
             </a:fld>
             <a:endParaRPr lang="ko-KR" altLang="en-US"/>
           </a:p>
@@ -1810,7 +1816,7 @@
           <a:p>
             <a:fld id="{054393DD-1D6D-4532-BDBC-5DEC31BDB2DC}" type="datetimeFigureOut">
               <a:rPr lang="ko-KR" altLang="en-US" smtClean="0"/>
-              <a:t>2019-07-31</a:t>
+              <a:t>2019-08-01</a:t>
             </a:fld>
             <a:endParaRPr lang="ko-KR" altLang="en-US"/>
           </a:p>
@@ -1951,7 +1957,7 @@
           <a:p>
             <a:fld id="{054393DD-1D6D-4532-BDBC-5DEC31BDB2DC}" type="datetimeFigureOut">
               <a:rPr lang="ko-KR" altLang="en-US" smtClean="0"/>
-              <a:t>2019-07-31</a:t>
+              <a:t>2019-08-01</a:t>
             </a:fld>
             <a:endParaRPr lang="ko-KR" altLang="en-US"/>
           </a:p>
@@ -2064,7 +2070,7 @@
           <a:p>
             <a:fld id="{054393DD-1D6D-4532-BDBC-5DEC31BDB2DC}" type="datetimeFigureOut">
               <a:rPr lang="ko-KR" altLang="en-US" smtClean="0"/>
-              <a:t>2019-07-31</a:t>
+              <a:t>2019-08-01</a:t>
             </a:fld>
             <a:endParaRPr lang="ko-KR" altLang="en-US"/>
           </a:p>
@@ -2375,7 +2381,7 @@
           <a:p>
             <a:fld id="{054393DD-1D6D-4532-BDBC-5DEC31BDB2DC}" type="datetimeFigureOut">
               <a:rPr lang="ko-KR" altLang="en-US" smtClean="0"/>
-              <a:t>2019-07-31</a:t>
+              <a:t>2019-08-01</a:t>
             </a:fld>
             <a:endParaRPr lang="ko-KR" altLang="en-US"/>
           </a:p>
@@ -2663,7 +2669,7 @@
           <a:p>
             <a:fld id="{054393DD-1D6D-4532-BDBC-5DEC31BDB2DC}" type="datetimeFigureOut">
               <a:rPr lang="ko-KR" altLang="en-US" smtClean="0"/>
-              <a:t>2019-07-31</a:t>
+              <a:t>2019-08-01</a:t>
             </a:fld>
             <a:endParaRPr lang="ko-KR" altLang="en-US"/>
           </a:p>
@@ -2904,7 +2910,7 @@
           <a:p>
             <a:fld id="{054393DD-1D6D-4532-BDBC-5DEC31BDB2DC}" type="datetimeFigureOut">
               <a:rPr lang="ko-KR" altLang="en-US" smtClean="0"/>
-              <a:t>2019-07-31</a:t>
+              <a:t>2019-08-01</a:t>
             </a:fld>
             <a:endParaRPr lang="ko-KR" altLang="en-US"/>
           </a:p>
@@ -3321,8 +3327,8 @@
           <a:chExt cx="0" cy="0"/>
         </a:xfrm>
       </p:grpSpPr>
-      <mc:AlternateContent xmlns:mc="http://schemas.openxmlformats.org/markup-compatibility/2006">
-        <mc:Choice xmlns:a14="http://schemas.microsoft.com/office/drawing/2010/main" Requires="a14">
+      <mc:AlternateContent xmlns:mc="http://schemas.openxmlformats.org/markup-compatibility/2006" xmlns:a14="http://schemas.microsoft.com/office/drawing/2010/main">
+        <mc:Choice Requires="a14">
           <p:sp>
             <p:nvSpPr>
               <p:cNvPr id="4" name="TextBox 3">
@@ -3351,6 +3357,7 @@
               </a:bodyPr>
               <a:lstStyle/>
               <a:p>
+                <a:pPr/>
                 <a14:m>
                   <m:oMathPara xmlns:m="http://schemas.openxmlformats.org/officeDocument/2006/math">
                     <m:oMathParaPr>
@@ -3434,7 +3441,7 @@
             </p:txBody>
           </p:sp>
         </mc:Choice>
-        <mc:Fallback>
+        <mc:Fallback xmlns="">
           <p:sp>
             <p:nvSpPr>
               <p:cNvPr id="4" name="TextBox 3">
@@ -3973,6 +3980,270 @@
     <p:extLst>
       <p:ext uri="{BB962C8B-B14F-4D97-AF65-F5344CB8AC3E}">
         <p14:creationId xmlns:p14="http://schemas.microsoft.com/office/powerpoint/2010/main" val="1035917300"/>
+      </p:ext>
+    </p:extLst>
+  </p:cSld>
+  <p:clrMapOvr>
+    <a:masterClrMapping/>
+  </p:clrMapOvr>
+</p:sld>
+</file>
+
+<file path=ppt/slides/slide2.xml><?xml version="1.0" encoding="utf-8"?>
+<p:sld xmlns:a="http://schemas.openxmlformats.org/drawingml/2006/main" xmlns:r="http://schemas.openxmlformats.org/officeDocument/2006/relationships" xmlns:p="http://schemas.openxmlformats.org/presentationml/2006/main">
+  <p:cSld>
+    <p:spTree>
+      <p:nvGrpSpPr>
+        <p:cNvPr id="1" name=""/>
+        <p:cNvGrpSpPr/>
+        <p:nvPr/>
+      </p:nvGrpSpPr>
+      <p:grpSpPr>
+        <a:xfrm>
+          <a:off x="0" y="0"/>
+          <a:ext cx="0" cy="0"/>
+          <a:chOff x="0" y="0"/>
+          <a:chExt cx="0" cy="0"/>
+        </a:xfrm>
+      </p:grpSpPr>
+      <p:pic>
+        <p:nvPicPr>
+          <p:cNvPr id="4" name="그림 3">
+            <a:extLst>
+              <a:ext uri="{FF2B5EF4-FFF2-40B4-BE49-F238E27FC236}">
+                <a16:creationId xmlns:a16="http://schemas.microsoft.com/office/drawing/2014/main" id="{7403B92D-C994-498D-ACBB-2DA402E096C1}"/>
+              </a:ext>
+            </a:extLst>
+          </p:cNvPr>
+          <p:cNvPicPr>
+            <a:picLocks noChangeAspect="1"/>
+          </p:cNvPicPr>
+          <p:nvPr/>
+        </p:nvPicPr>
+        <p:blipFill>
+          <a:blip r:embed="rId2"/>
+          <a:stretch>
+            <a:fillRect/>
+          </a:stretch>
+        </p:blipFill>
+        <p:spPr>
+          <a:xfrm>
+            <a:off x="2163854" y="0"/>
+            <a:ext cx="7864291" cy="6858000"/>
+          </a:xfrm>
+          <a:prstGeom prst="rect">
+            <a:avLst/>
+          </a:prstGeom>
+        </p:spPr>
+      </p:pic>
+      <p:cxnSp>
+        <p:nvCxnSpPr>
+          <p:cNvPr id="6" name="직선 화살표 연결선 5">
+            <a:extLst>
+              <a:ext uri="{FF2B5EF4-FFF2-40B4-BE49-F238E27FC236}">
+                <a16:creationId xmlns:a16="http://schemas.microsoft.com/office/drawing/2014/main" id="{EE2B0325-97AA-429A-A53C-60BB074D6023}"/>
+              </a:ext>
+            </a:extLst>
+          </p:cNvPr>
+          <p:cNvCxnSpPr>
+            <a:cxnSpLocks/>
+          </p:cNvCxnSpPr>
+          <p:nvPr/>
+        </p:nvCxnSpPr>
+        <p:spPr>
+          <a:xfrm flipV="1">
+            <a:off x="6096000" y="426128"/>
+            <a:ext cx="2169111" cy="3002872"/>
+          </a:xfrm>
+          <a:prstGeom prst="straightConnector1">
+            <a:avLst/>
+          </a:prstGeom>
+          <a:ln w="76200">
+            <a:solidFill>
+              <a:schemeClr val="accent4"/>
+            </a:solidFill>
+            <a:tailEnd type="triangle"/>
+          </a:ln>
+        </p:spPr>
+        <p:style>
+          <a:lnRef idx="1">
+            <a:schemeClr val="accent1"/>
+          </a:lnRef>
+          <a:fillRef idx="0">
+            <a:schemeClr val="accent1"/>
+          </a:fillRef>
+          <a:effectRef idx="0">
+            <a:schemeClr val="accent1"/>
+          </a:effectRef>
+          <a:fontRef idx="minor">
+            <a:schemeClr val="tx1"/>
+          </a:fontRef>
+        </p:style>
+      </p:cxnSp>
+      <p:cxnSp>
+        <p:nvCxnSpPr>
+          <p:cNvPr id="8" name="직선 화살표 연결선 7">
+            <a:extLst>
+              <a:ext uri="{FF2B5EF4-FFF2-40B4-BE49-F238E27FC236}">
+                <a16:creationId xmlns:a16="http://schemas.microsoft.com/office/drawing/2014/main" id="{4F373AD7-8CD5-4780-A336-BFB5F0E04238}"/>
+              </a:ext>
+            </a:extLst>
+          </p:cNvPr>
+          <p:cNvCxnSpPr>
+            <a:cxnSpLocks/>
+          </p:cNvCxnSpPr>
+          <p:nvPr/>
+        </p:nvCxnSpPr>
+        <p:spPr>
+          <a:xfrm flipH="1" flipV="1">
+            <a:off x="5193437" y="2760955"/>
+            <a:ext cx="902563" cy="668046"/>
+          </a:xfrm>
+          <a:prstGeom prst="straightConnector1">
+            <a:avLst/>
+          </a:prstGeom>
+          <a:ln w="76200">
+            <a:solidFill>
+              <a:srgbClr val="FF0000"/>
+            </a:solidFill>
+            <a:tailEnd type="triangle"/>
+          </a:ln>
+        </p:spPr>
+        <p:style>
+          <a:lnRef idx="1">
+            <a:schemeClr val="accent1"/>
+          </a:lnRef>
+          <a:fillRef idx="0">
+            <a:schemeClr val="accent1"/>
+          </a:fillRef>
+          <a:effectRef idx="0">
+            <a:schemeClr val="accent1"/>
+          </a:effectRef>
+          <a:fontRef idx="minor">
+            <a:schemeClr val="tx1"/>
+          </a:fontRef>
+        </p:style>
+      </p:cxnSp>
+      <p:sp>
+        <p:nvSpPr>
+          <p:cNvPr id="11" name="TextBox 10">
+            <a:extLst>
+              <a:ext uri="{FF2B5EF4-FFF2-40B4-BE49-F238E27FC236}">
+                <a16:creationId xmlns:a16="http://schemas.microsoft.com/office/drawing/2014/main" id="{21E76138-6AE6-4442-B497-ECEDC6A404B8}"/>
+              </a:ext>
+            </a:extLst>
+          </p:cNvPr>
+          <p:cNvSpPr txBox="1"/>
+          <p:nvPr/>
+        </p:nvSpPr>
+        <p:spPr>
+          <a:xfrm>
+            <a:off x="8265111" y="426127"/>
+            <a:ext cx="1636987" cy="523220"/>
+          </a:xfrm>
+          <a:prstGeom prst="rect">
+            <a:avLst/>
+          </a:prstGeom>
+          <a:noFill/>
+        </p:spPr>
+        <p:txBody>
+          <a:bodyPr wrap="none" rtlCol="0">
+            <a:spAutoFit/>
+          </a:bodyPr>
+          <a:lstStyle/>
+          <a:p>
+            <a:r>
+              <a:rPr lang="ko-KR" altLang="en-US" sz="2800" dirty="0">
+                <a:solidFill>
+                  <a:schemeClr val="accent4"/>
+                </a:solidFill>
+                <a:latin typeface="KoPub돋움체 Bold" panose="00000800000000000000" pitchFamily="2" charset="-127"/>
+                <a:ea typeface="KoPub돋움체 Bold" panose="00000800000000000000" pitchFamily="2" charset="-127"/>
+              </a:rPr>
+              <a:t>고유벡터</a:t>
+            </a:r>
+            <a:r>
+              <a:rPr lang="en-US" altLang="ko-KR" sz="2800" dirty="0">
+                <a:solidFill>
+                  <a:schemeClr val="accent4"/>
+                </a:solidFill>
+                <a:latin typeface="KoPub돋움체 Bold" panose="00000800000000000000" pitchFamily="2" charset="-127"/>
+                <a:ea typeface="KoPub돋움체 Bold" panose="00000800000000000000" pitchFamily="2" charset="-127"/>
+              </a:rPr>
+              <a:t>1</a:t>
+            </a:r>
+            <a:endParaRPr lang="ko-KR" altLang="en-US" sz="2800" dirty="0">
+              <a:solidFill>
+                <a:schemeClr val="accent4"/>
+              </a:solidFill>
+              <a:latin typeface="KoPub돋움체 Bold" panose="00000800000000000000" pitchFamily="2" charset="-127"/>
+              <a:ea typeface="KoPub돋움체 Bold" panose="00000800000000000000" pitchFamily="2" charset="-127"/>
+            </a:endParaRPr>
+          </a:p>
+        </p:txBody>
+      </p:sp>
+      <p:sp>
+        <p:nvSpPr>
+          <p:cNvPr id="12" name="TextBox 11">
+            <a:extLst>
+              <a:ext uri="{FF2B5EF4-FFF2-40B4-BE49-F238E27FC236}">
+                <a16:creationId xmlns:a16="http://schemas.microsoft.com/office/drawing/2014/main" id="{69E1A043-C340-4729-9DE0-A6E765B67695}"/>
+              </a:ext>
+            </a:extLst>
+          </p:cNvPr>
+          <p:cNvSpPr txBox="1"/>
+          <p:nvPr/>
+        </p:nvSpPr>
+        <p:spPr>
+          <a:xfrm>
+            <a:off x="4151763" y="2237735"/>
+            <a:ext cx="1636987" cy="523220"/>
+          </a:xfrm>
+          <a:prstGeom prst="rect">
+            <a:avLst/>
+          </a:prstGeom>
+          <a:noFill/>
+        </p:spPr>
+        <p:txBody>
+          <a:bodyPr wrap="none" rtlCol="0">
+            <a:spAutoFit/>
+          </a:bodyPr>
+          <a:lstStyle/>
+          <a:p>
+            <a:r>
+              <a:rPr lang="ko-KR" altLang="en-US" sz="2800" dirty="0">
+                <a:solidFill>
+                  <a:srgbClr val="FF0000"/>
+                </a:solidFill>
+                <a:latin typeface="KoPub돋움체 Bold" panose="00000800000000000000" pitchFamily="2" charset="-127"/>
+                <a:ea typeface="KoPub돋움체 Bold" panose="00000800000000000000" pitchFamily="2" charset="-127"/>
+              </a:rPr>
+              <a:t>고유벡터</a:t>
+            </a:r>
+            <a:r>
+              <a:rPr lang="en-US" altLang="ko-KR" sz="2800" dirty="0">
+                <a:solidFill>
+                  <a:srgbClr val="FF0000"/>
+                </a:solidFill>
+                <a:latin typeface="KoPub돋움체 Bold" panose="00000800000000000000" pitchFamily="2" charset="-127"/>
+                <a:ea typeface="KoPub돋움체 Bold" panose="00000800000000000000" pitchFamily="2" charset="-127"/>
+              </a:rPr>
+              <a:t>2</a:t>
+            </a:r>
+            <a:endParaRPr lang="ko-KR" altLang="en-US" sz="2800" dirty="0">
+              <a:solidFill>
+                <a:srgbClr val="FF0000"/>
+              </a:solidFill>
+              <a:latin typeface="KoPub돋움체 Bold" panose="00000800000000000000" pitchFamily="2" charset="-127"/>
+              <a:ea typeface="KoPub돋움체 Bold" panose="00000800000000000000" pitchFamily="2" charset="-127"/>
+            </a:endParaRPr>
+          </a:p>
+        </p:txBody>
+      </p:sp>
+    </p:spTree>
+    <p:extLst>
+      <p:ext uri="{BB962C8B-B14F-4D97-AF65-F5344CB8AC3E}">
+        <p14:creationId xmlns:p14="http://schemas.microsoft.com/office/powerpoint/2010/main" val="3689192071"/>
       </p:ext>
     </p:extLst>
   </p:cSld>

--- a/pics/2019-07-27_PCA/pics.pptx
+++ b/pics/2019-07-27_PCA/pics.pptx
@@ -6,7 +6,11 @@
   </p:sldMasterIdLst>
   <p:sldIdLst>
     <p:sldId id="256" r:id="rId2"/>
-    <p:sldId id="257" r:id="rId3"/>
+    <p:sldId id="258" r:id="rId3"/>
+    <p:sldId id="257" r:id="rId4"/>
+    <p:sldId id="259" r:id="rId5"/>
+    <p:sldId id="260" r:id="rId6"/>
+    <p:sldId id="261" r:id="rId7"/>
   </p:sldIdLst>
   <p:sldSz cx="12192000" cy="6858000"/>
   <p:notesSz cx="6858000" cy="9144000"/>
@@ -260,7 +264,7 @@
           <a:p>
             <a:fld id="{054393DD-1D6D-4532-BDBC-5DEC31BDB2DC}" type="datetimeFigureOut">
               <a:rPr lang="ko-KR" altLang="en-US" smtClean="0"/>
-              <a:t>2019-08-01</a:t>
+              <a:t>2023-04-19</a:t>
             </a:fld>
             <a:endParaRPr lang="ko-KR" altLang="en-US"/>
           </a:p>
@@ -458,7 +462,7 @@
           <a:p>
             <a:fld id="{054393DD-1D6D-4532-BDBC-5DEC31BDB2DC}" type="datetimeFigureOut">
               <a:rPr lang="ko-KR" altLang="en-US" smtClean="0"/>
-              <a:t>2019-08-01</a:t>
+              <a:t>2023-04-19</a:t>
             </a:fld>
             <a:endParaRPr lang="ko-KR" altLang="en-US"/>
           </a:p>
@@ -666,7 +670,7 @@
           <a:p>
             <a:fld id="{054393DD-1D6D-4532-BDBC-5DEC31BDB2DC}" type="datetimeFigureOut">
               <a:rPr lang="ko-KR" altLang="en-US" smtClean="0"/>
-              <a:t>2019-08-01</a:t>
+              <a:t>2023-04-19</a:t>
             </a:fld>
             <a:endParaRPr lang="ko-KR" altLang="en-US"/>
           </a:p>
@@ -864,7 +868,7 @@
           <a:p>
             <a:fld id="{054393DD-1D6D-4532-BDBC-5DEC31BDB2DC}" type="datetimeFigureOut">
               <a:rPr lang="ko-KR" altLang="en-US" smtClean="0"/>
-              <a:t>2019-08-01</a:t>
+              <a:t>2023-04-19</a:t>
             </a:fld>
             <a:endParaRPr lang="ko-KR" altLang="en-US"/>
           </a:p>
@@ -1139,7 +1143,7 @@
           <a:p>
             <a:fld id="{054393DD-1D6D-4532-BDBC-5DEC31BDB2DC}" type="datetimeFigureOut">
               <a:rPr lang="ko-KR" altLang="en-US" smtClean="0"/>
-              <a:t>2019-08-01</a:t>
+              <a:t>2023-04-19</a:t>
             </a:fld>
             <a:endParaRPr lang="ko-KR" altLang="en-US"/>
           </a:p>
@@ -1404,7 +1408,7 @@
           <a:p>
             <a:fld id="{054393DD-1D6D-4532-BDBC-5DEC31BDB2DC}" type="datetimeFigureOut">
               <a:rPr lang="ko-KR" altLang="en-US" smtClean="0"/>
-              <a:t>2019-08-01</a:t>
+              <a:t>2023-04-19</a:t>
             </a:fld>
             <a:endParaRPr lang="ko-KR" altLang="en-US"/>
           </a:p>
@@ -1816,7 +1820,7 @@
           <a:p>
             <a:fld id="{054393DD-1D6D-4532-BDBC-5DEC31BDB2DC}" type="datetimeFigureOut">
               <a:rPr lang="ko-KR" altLang="en-US" smtClean="0"/>
-              <a:t>2019-08-01</a:t>
+              <a:t>2023-04-19</a:t>
             </a:fld>
             <a:endParaRPr lang="ko-KR" altLang="en-US"/>
           </a:p>
@@ -1957,7 +1961,7 @@
           <a:p>
             <a:fld id="{054393DD-1D6D-4532-BDBC-5DEC31BDB2DC}" type="datetimeFigureOut">
               <a:rPr lang="ko-KR" altLang="en-US" smtClean="0"/>
-              <a:t>2019-08-01</a:t>
+              <a:t>2023-04-19</a:t>
             </a:fld>
             <a:endParaRPr lang="ko-KR" altLang="en-US"/>
           </a:p>
@@ -2070,7 +2074,7 @@
           <a:p>
             <a:fld id="{054393DD-1D6D-4532-BDBC-5DEC31BDB2DC}" type="datetimeFigureOut">
               <a:rPr lang="ko-KR" altLang="en-US" smtClean="0"/>
-              <a:t>2019-08-01</a:t>
+              <a:t>2023-04-19</a:t>
             </a:fld>
             <a:endParaRPr lang="ko-KR" altLang="en-US"/>
           </a:p>
@@ -2381,7 +2385,7 @@
           <a:p>
             <a:fld id="{054393DD-1D6D-4532-BDBC-5DEC31BDB2DC}" type="datetimeFigureOut">
               <a:rPr lang="ko-KR" altLang="en-US" smtClean="0"/>
-              <a:t>2019-08-01</a:t>
+              <a:t>2023-04-19</a:t>
             </a:fld>
             <a:endParaRPr lang="ko-KR" altLang="en-US"/>
           </a:p>
@@ -2669,7 +2673,7 @@
           <a:p>
             <a:fld id="{054393DD-1D6D-4532-BDBC-5DEC31BDB2DC}" type="datetimeFigureOut">
               <a:rPr lang="ko-KR" altLang="en-US" smtClean="0"/>
-              <a:t>2019-08-01</a:t>
+              <a:t>2023-04-19</a:t>
             </a:fld>
             <a:endParaRPr lang="ko-KR" altLang="en-US"/>
           </a:p>
@@ -2910,7 +2914,7 @@
           <a:p>
             <a:fld id="{054393DD-1D6D-4532-BDBC-5DEC31BDB2DC}" type="datetimeFigureOut">
               <a:rPr lang="ko-KR" altLang="en-US" smtClean="0"/>
-              <a:t>2019-08-01</a:t>
+              <a:t>2023-04-19</a:t>
             </a:fld>
             <a:endParaRPr lang="ko-KR" altLang="en-US"/>
           </a:p>
@@ -4006,6 +4010,716 @@
           <a:chExt cx="0" cy="0"/>
         </a:xfrm>
       </p:grpSpPr>
+      <mc:AlternateContent xmlns:mc="http://schemas.openxmlformats.org/markup-compatibility/2006" xmlns:a14="http://schemas.microsoft.com/office/drawing/2010/main">
+        <mc:Choice Requires="a14">
+          <p:sp>
+            <p:nvSpPr>
+              <p:cNvPr id="4" name="TextBox 3">
+                <a:extLst>
+                  <a:ext uri="{FF2B5EF4-FFF2-40B4-BE49-F238E27FC236}">
+                    <a16:creationId xmlns:a16="http://schemas.microsoft.com/office/drawing/2014/main" id="{81305E9D-2785-4A62-A347-DA28FDD39AB8}"/>
+                  </a:ext>
+                </a:extLst>
+              </p:cNvPr>
+              <p:cNvSpPr txBox="1"/>
+              <p:nvPr/>
+            </p:nvSpPr>
+            <p:spPr>
+              <a:xfrm>
+                <a:off x="2609244" y="1006713"/>
+                <a:ext cx="6973512" cy="4335289"/>
+              </a:xfrm>
+              <a:prstGeom prst="rect">
+                <a:avLst/>
+              </a:prstGeom>
+              <a:noFill/>
+            </p:spPr>
+            <p:txBody>
+              <a:bodyPr wrap="none" rtlCol="0">
+                <a:spAutoFit/>
+              </a:bodyPr>
+              <a:lstStyle/>
+              <a:p>
+                <a:pPr/>
+                <a14:m>
+                  <m:oMathPara xmlns:m="http://schemas.openxmlformats.org/officeDocument/2006/math">
+                    <m:oMathParaPr>
+                      <m:jc m:val="centerGroup"/>
+                    </m:oMathParaPr>
+                    <m:oMath xmlns:m="http://schemas.openxmlformats.org/officeDocument/2006/math">
+                      <m:d>
+                        <m:dPr>
+                          <m:begChr m:val="["/>
+                          <m:endChr m:val="]"/>
+                          <m:ctrlPr>
+                            <a:rPr lang="en-US" altLang="ko-KR" sz="16600" i="1" smtClean="0">
+                              <a:latin typeface="Cambria Math" panose="02040503050406030204" pitchFamily="18" charset="0"/>
+                            </a:rPr>
+                          </m:ctrlPr>
+                        </m:dPr>
+                        <m:e>
+                          <m:m>
+                            <m:mPr>
+                              <m:mcs>
+                                <m:mc>
+                                  <m:mcPr>
+                                    <m:count m:val="2"/>
+                                    <m:mcJc m:val="center"/>
+                                  </m:mcPr>
+                                </m:mc>
+                              </m:mcs>
+                              <m:ctrlPr>
+                                <a:rPr lang="en-US" altLang="ko-KR" sz="16600" i="1" smtClean="0">
+                                  <a:latin typeface="Cambria Math" panose="02040503050406030204" pitchFamily="18" charset="0"/>
+                                </a:rPr>
+                              </m:ctrlPr>
+                            </m:mPr>
+                            <m:mr>
+                              <m:e>
+                                <m:r>
+                                  <m:rPr>
+                                    <m:brk m:alnAt="7"/>
+                                  </m:rPr>
+                                  <a:rPr lang="en-US" altLang="ko-KR" sz="16600" b="0" i="1" smtClean="0">
+                                    <a:latin typeface="Cambria Math" panose="02040503050406030204" pitchFamily="18" charset="0"/>
+                                  </a:rPr>
+                                  <m:t>3</m:t>
+                                </m:r>
+                              </m:e>
+                              <m:e>
+                                <m:r>
+                                  <a:rPr lang="en-US" altLang="ko-KR" sz="16600" b="0" i="1" smtClean="0">
+                                    <a:latin typeface="Cambria Math" panose="02040503050406030204" pitchFamily="18" charset="0"/>
+                                  </a:rPr>
+                                  <m:t>2</m:t>
+                                </m:r>
+                              </m:e>
+                            </m:mr>
+                            <m:mr>
+                              <m:e>
+                                <m:r>
+                                  <a:rPr lang="en-US" altLang="ko-KR" sz="16600" b="0" i="1" smtClean="0">
+                                    <a:latin typeface="Cambria Math" panose="02040503050406030204" pitchFamily="18" charset="0"/>
+                                  </a:rPr>
+                                  <m:t>2</m:t>
+                                </m:r>
+                              </m:e>
+                              <m:e>
+                                <m:r>
+                                  <a:rPr lang="en-US" altLang="ko-KR" sz="16600" b="0" i="1" smtClean="0">
+                                    <a:latin typeface="Cambria Math" panose="02040503050406030204" pitchFamily="18" charset="0"/>
+                                  </a:rPr>
+                                  <m:t>4</m:t>
+                                </m:r>
+                              </m:e>
+                            </m:mr>
+                          </m:m>
+                        </m:e>
+                      </m:d>
+                    </m:oMath>
+                  </m:oMathPara>
+                </a14:m>
+                <a:endParaRPr lang="ko-KR" altLang="en-US" sz="16600" dirty="0"/>
+              </a:p>
+            </p:txBody>
+          </p:sp>
+        </mc:Choice>
+        <mc:Fallback xmlns="">
+          <p:sp>
+            <p:nvSpPr>
+              <p:cNvPr id="4" name="TextBox 3">
+                <a:extLst>
+                  <a:ext uri="{FF2B5EF4-FFF2-40B4-BE49-F238E27FC236}">
+                    <a16:creationId xmlns:a16="http://schemas.microsoft.com/office/drawing/2014/main" id="{81305E9D-2785-4A62-A347-DA28FDD39AB8}"/>
+                  </a:ext>
+                </a:extLst>
+              </p:cNvPr>
+              <p:cNvSpPr txBox="1">
+                <a:spLocks noRot="1" noChangeAspect="1" noMove="1" noResize="1" noEditPoints="1" noAdjustHandles="1" noChangeArrowheads="1" noChangeShapeType="1" noTextEdit="1"/>
+              </p:cNvSpPr>
+              <p:nvPr/>
+            </p:nvSpPr>
+            <p:spPr>
+              <a:xfrm>
+                <a:off x="2609244" y="1006713"/>
+                <a:ext cx="6973512" cy="4335289"/>
+              </a:xfrm>
+              <a:prstGeom prst="rect">
+                <a:avLst/>
+              </a:prstGeom>
+              <a:blipFill>
+                <a:blip r:embed="rId2"/>
+                <a:stretch>
+                  <a:fillRect/>
+                </a:stretch>
+              </a:blipFill>
+            </p:spPr>
+            <p:txBody>
+              <a:bodyPr/>
+              <a:lstStyle/>
+              <a:p>
+                <a:r>
+                  <a:rPr lang="ko-KR" altLang="en-US">
+                    <a:noFill/>
+                  </a:rPr>
+                  <a:t> </a:t>
+                </a:r>
+              </a:p>
+            </p:txBody>
+          </p:sp>
+        </mc:Fallback>
+      </mc:AlternateContent>
+      <p:sp>
+        <p:nvSpPr>
+          <p:cNvPr id="5" name="타원 4">
+            <a:extLst>
+              <a:ext uri="{FF2B5EF4-FFF2-40B4-BE49-F238E27FC236}">
+                <a16:creationId xmlns:a16="http://schemas.microsoft.com/office/drawing/2014/main" id="{2694C9C5-98AB-4701-9054-B6659EE7E1FA}"/>
+              </a:ext>
+            </a:extLst>
+          </p:cNvPr>
+          <p:cNvSpPr/>
+          <p:nvPr/>
+        </p:nvSpPr>
+        <p:spPr>
+          <a:xfrm>
+            <a:off x="3588152" y="1006712"/>
+            <a:ext cx="1724628" cy="2340980"/>
+          </a:xfrm>
+          <a:prstGeom prst="ellipse">
+            <a:avLst/>
+          </a:prstGeom>
+          <a:noFill/>
+          <a:ln w="76200">
+            <a:solidFill>
+              <a:schemeClr val="accent1">
+                <a:lumMod val="60000"/>
+                <a:lumOff val="40000"/>
+              </a:schemeClr>
+            </a:solidFill>
+            <a:prstDash val="sysDash"/>
+          </a:ln>
+        </p:spPr>
+        <p:style>
+          <a:lnRef idx="2">
+            <a:schemeClr val="accent1">
+              <a:shade val="50000"/>
+            </a:schemeClr>
+          </a:lnRef>
+          <a:fillRef idx="1">
+            <a:schemeClr val="accent1"/>
+          </a:fillRef>
+          <a:effectRef idx="0">
+            <a:schemeClr val="accent1"/>
+          </a:effectRef>
+          <a:fontRef idx="minor">
+            <a:schemeClr val="lt1"/>
+          </a:fontRef>
+        </p:style>
+        <p:txBody>
+          <a:bodyPr rtlCol="0" anchor="ctr"/>
+          <a:lstStyle/>
+          <a:p>
+            <a:pPr algn="ctr"/>
+            <a:endParaRPr lang="ko-KR" altLang="en-US"/>
+          </a:p>
+        </p:txBody>
+      </p:sp>
+      <p:sp>
+        <p:nvSpPr>
+          <p:cNvPr id="6" name="TextBox 5">
+            <a:extLst>
+              <a:ext uri="{FF2B5EF4-FFF2-40B4-BE49-F238E27FC236}">
+                <a16:creationId xmlns:a16="http://schemas.microsoft.com/office/drawing/2014/main" id="{5383B7CB-C8F0-4CE8-A866-AB815500F505}"/>
+              </a:ext>
+            </a:extLst>
+          </p:cNvPr>
+          <p:cNvSpPr txBox="1"/>
+          <p:nvPr/>
+        </p:nvSpPr>
+        <p:spPr>
+          <a:xfrm>
+            <a:off x="684157" y="579018"/>
+            <a:ext cx="3613425" cy="954107"/>
+          </a:xfrm>
+          <a:prstGeom prst="rect">
+            <a:avLst/>
+          </a:prstGeom>
+          <a:noFill/>
+        </p:spPr>
+        <p:txBody>
+          <a:bodyPr wrap="none" rtlCol="0">
+            <a:spAutoFit/>
+          </a:bodyPr>
+          <a:lstStyle/>
+          <a:p>
+            <a:r>
+              <a:rPr lang="en-US" altLang="ko-KR" sz="2800" dirty="0">
+                <a:solidFill>
+                  <a:schemeClr val="accent1">
+                    <a:lumMod val="75000"/>
+                  </a:schemeClr>
+                </a:solidFill>
+                <a:latin typeface="KoPub돋움체 Bold" panose="00000800000000000000" pitchFamily="2" charset="-127"/>
+                <a:ea typeface="KoPub돋움체 Bold" panose="00000800000000000000" pitchFamily="2" charset="-127"/>
+              </a:rPr>
+              <a:t>How much dispersed</a:t>
+            </a:r>
+          </a:p>
+          <a:p>
+            <a:r>
+              <a:rPr lang="en-US" altLang="ko-KR" sz="2800" dirty="0">
+                <a:solidFill>
+                  <a:schemeClr val="accent1">
+                    <a:lumMod val="75000"/>
+                  </a:schemeClr>
+                </a:solidFill>
+                <a:latin typeface="KoPub돋움체 Bold" panose="00000800000000000000" pitchFamily="2" charset="-127"/>
+                <a:ea typeface="KoPub돋움체 Bold" panose="00000800000000000000" pitchFamily="2" charset="-127"/>
+              </a:rPr>
+              <a:t>in x-direction</a:t>
+            </a:r>
+            <a:endParaRPr lang="ko-KR" altLang="en-US" sz="2800" dirty="0">
+              <a:solidFill>
+                <a:schemeClr val="accent1">
+                  <a:lumMod val="75000"/>
+                </a:schemeClr>
+              </a:solidFill>
+              <a:latin typeface="KoPub돋움체 Bold" panose="00000800000000000000" pitchFamily="2" charset="-127"/>
+              <a:ea typeface="KoPub돋움체 Bold" panose="00000800000000000000" pitchFamily="2" charset="-127"/>
+            </a:endParaRPr>
+          </a:p>
+        </p:txBody>
+      </p:sp>
+      <p:sp>
+        <p:nvSpPr>
+          <p:cNvPr id="7" name="타원 6">
+            <a:extLst>
+              <a:ext uri="{FF2B5EF4-FFF2-40B4-BE49-F238E27FC236}">
+                <a16:creationId xmlns:a16="http://schemas.microsoft.com/office/drawing/2014/main" id="{F815B04C-2370-415E-8F69-80BBF61CE8FF}"/>
+              </a:ext>
+            </a:extLst>
+          </p:cNvPr>
+          <p:cNvSpPr/>
+          <p:nvPr/>
+        </p:nvSpPr>
+        <p:spPr>
+          <a:xfrm>
+            <a:off x="6913947" y="3428716"/>
+            <a:ext cx="1724628" cy="2340980"/>
+          </a:xfrm>
+          <a:prstGeom prst="ellipse">
+            <a:avLst/>
+          </a:prstGeom>
+          <a:noFill/>
+          <a:ln w="76200">
+            <a:solidFill>
+              <a:schemeClr val="accent2">
+                <a:lumMod val="60000"/>
+                <a:lumOff val="40000"/>
+              </a:schemeClr>
+            </a:solidFill>
+            <a:prstDash val="sysDash"/>
+          </a:ln>
+        </p:spPr>
+        <p:style>
+          <a:lnRef idx="2">
+            <a:schemeClr val="accent1">
+              <a:shade val="50000"/>
+            </a:schemeClr>
+          </a:lnRef>
+          <a:fillRef idx="1">
+            <a:schemeClr val="accent1"/>
+          </a:fillRef>
+          <a:effectRef idx="0">
+            <a:schemeClr val="accent1"/>
+          </a:effectRef>
+          <a:fontRef idx="minor">
+            <a:schemeClr val="lt1"/>
+          </a:fontRef>
+        </p:style>
+        <p:txBody>
+          <a:bodyPr rtlCol="0" anchor="ctr"/>
+          <a:lstStyle/>
+          <a:p>
+            <a:pPr algn="ctr"/>
+            <a:endParaRPr lang="ko-KR" altLang="en-US"/>
+          </a:p>
+        </p:txBody>
+      </p:sp>
+      <p:sp>
+        <p:nvSpPr>
+          <p:cNvPr id="8" name="TextBox 7">
+            <a:extLst>
+              <a:ext uri="{FF2B5EF4-FFF2-40B4-BE49-F238E27FC236}">
+                <a16:creationId xmlns:a16="http://schemas.microsoft.com/office/drawing/2014/main" id="{421909B1-C4C9-42DA-91B4-7A809259AC6B}"/>
+              </a:ext>
+            </a:extLst>
+          </p:cNvPr>
+          <p:cNvSpPr txBox="1"/>
+          <p:nvPr/>
+        </p:nvSpPr>
+        <p:spPr>
+          <a:xfrm>
+            <a:off x="7894417" y="5641112"/>
+            <a:ext cx="3613425" cy="954107"/>
+          </a:xfrm>
+          <a:prstGeom prst="rect">
+            <a:avLst/>
+          </a:prstGeom>
+          <a:noFill/>
+        </p:spPr>
+        <p:txBody>
+          <a:bodyPr wrap="none" rtlCol="0">
+            <a:spAutoFit/>
+          </a:bodyPr>
+          <a:lstStyle/>
+          <a:p>
+            <a:pPr algn="r"/>
+            <a:r>
+              <a:rPr lang="en-US" altLang="ko-KR" sz="2800" dirty="0">
+                <a:solidFill>
+                  <a:schemeClr val="accent2">
+                    <a:lumMod val="75000"/>
+                  </a:schemeClr>
+                </a:solidFill>
+                <a:latin typeface="KoPub돋움체 Bold" panose="00000800000000000000" pitchFamily="2" charset="-127"/>
+                <a:ea typeface="KoPub돋움체 Bold" panose="00000800000000000000" pitchFamily="2" charset="-127"/>
+              </a:rPr>
+              <a:t>How much dispersed</a:t>
+            </a:r>
+          </a:p>
+          <a:p>
+            <a:pPr algn="r"/>
+            <a:r>
+              <a:rPr lang="en-US" altLang="ko-KR" sz="2800" dirty="0">
+                <a:solidFill>
+                  <a:schemeClr val="accent2">
+                    <a:lumMod val="75000"/>
+                  </a:schemeClr>
+                </a:solidFill>
+                <a:latin typeface="KoPub돋움체 Bold" panose="00000800000000000000" pitchFamily="2" charset="-127"/>
+                <a:ea typeface="KoPub돋움체 Bold" panose="00000800000000000000" pitchFamily="2" charset="-127"/>
+              </a:rPr>
+              <a:t>in y-direction</a:t>
+            </a:r>
+            <a:endParaRPr lang="ko-KR" altLang="en-US" sz="2800" dirty="0">
+              <a:solidFill>
+                <a:schemeClr val="accent2">
+                  <a:lumMod val="75000"/>
+                </a:schemeClr>
+              </a:solidFill>
+              <a:latin typeface="KoPub돋움체 Bold" panose="00000800000000000000" pitchFamily="2" charset="-127"/>
+              <a:ea typeface="KoPub돋움체 Bold" panose="00000800000000000000" pitchFamily="2" charset="-127"/>
+            </a:endParaRPr>
+          </a:p>
+        </p:txBody>
+      </p:sp>
+      <p:sp>
+        <p:nvSpPr>
+          <p:cNvPr id="9" name="타원 8">
+            <a:extLst>
+              <a:ext uri="{FF2B5EF4-FFF2-40B4-BE49-F238E27FC236}">
+                <a16:creationId xmlns:a16="http://schemas.microsoft.com/office/drawing/2014/main" id="{4535256A-AD18-4883-ACEA-5FD1A1271D25}"/>
+              </a:ext>
+            </a:extLst>
+          </p:cNvPr>
+          <p:cNvSpPr/>
+          <p:nvPr/>
+        </p:nvSpPr>
+        <p:spPr>
+          <a:xfrm>
+            <a:off x="6913947" y="1006711"/>
+            <a:ext cx="1724628" cy="2340980"/>
+          </a:xfrm>
+          <a:prstGeom prst="ellipse">
+            <a:avLst/>
+          </a:prstGeom>
+          <a:noFill/>
+          <a:ln w="76200">
+            <a:solidFill>
+              <a:schemeClr val="accent6">
+                <a:lumMod val="60000"/>
+                <a:lumOff val="40000"/>
+              </a:schemeClr>
+            </a:solidFill>
+            <a:prstDash val="sysDash"/>
+          </a:ln>
+        </p:spPr>
+        <p:style>
+          <a:lnRef idx="2">
+            <a:schemeClr val="accent1">
+              <a:shade val="50000"/>
+            </a:schemeClr>
+          </a:lnRef>
+          <a:fillRef idx="1">
+            <a:schemeClr val="accent1"/>
+          </a:fillRef>
+          <a:effectRef idx="0">
+            <a:schemeClr val="accent1"/>
+          </a:effectRef>
+          <a:fontRef idx="minor">
+            <a:schemeClr val="lt1"/>
+          </a:fontRef>
+        </p:style>
+        <p:txBody>
+          <a:bodyPr rtlCol="0" anchor="ctr"/>
+          <a:lstStyle/>
+          <a:p>
+            <a:pPr algn="ctr"/>
+            <a:endParaRPr lang="ko-KR" altLang="en-US"/>
+          </a:p>
+        </p:txBody>
+      </p:sp>
+      <p:sp>
+        <p:nvSpPr>
+          <p:cNvPr id="10" name="타원 9">
+            <a:extLst>
+              <a:ext uri="{FF2B5EF4-FFF2-40B4-BE49-F238E27FC236}">
+                <a16:creationId xmlns:a16="http://schemas.microsoft.com/office/drawing/2014/main" id="{F8986D44-F719-4BBC-A820-1A1CF50A2082}"/>
+              </a:ext>
+            </a:extLst>
+          </p:cNvPr>
+          <p:cNvSpPr/>
+          <p:nvPr/>
+        </p:nvSpPr>
+        <p:spPr>
+          <a:xfrm>
+            <a:off x="3588152" y="3428716"/>
+            <a:ext cx="1724628" cy="2340980"/>
+          </a:xfrm>
+          <a:prstGeom prst="ellipse">
+            <a:avLst/>
+          </a:prstGeom>
+          <a:noFill/>
+          <a:ln w="76200">
+            <a:solidFill>
+              <a:schemeClr val="accent6">
+                <a:lumMod val="60000"/>
+                <a:lumOff val="40000"/>
+              </a:schemeClr>
+            </a:solidFill>
+            <a:prstDash val="sysDash"/>
+          </a:ln>
+        </p:spPr>
+        <p:style>
+          <a:lnRef idx="2">
+            <a:schemeClr val="accent1">
+              <a:shade val="50000"/>
+            </a:schemeClr>
+          </a:lnRef>
+          <a:fillRef idx="1">
+            <a:schemeClr val="accent1"/>
+          </a:fillRef>
+          <a:effectRef idx="0">
+            <a:schemeClr val="accent1"/>
+          </a:effectRef>
+          <a:fontRef idx="minor">
+            <a:schemeClr val="lt1"/>
+          </a:fontRef>
+        </p:style>
+        <p:txBody>
+          <a:bodyPr rtlCol="0" anchor="ctr"/>
+          <a:lstStyle/>
+          <a:p>
+            <a:pPr algn="ctr"/>
+            <a:endParaRPr lang="ko-KR" altLang="en-US"/>
+          </a:p>
+        </p:txBody>
+      </p:sp>
+      <p:sp>
+        <p:nvSpPr>
+          <p:cNvPr id="11" name="TextBox 10">
+            <a:extLst>
+              <a:ext uri="{FF2B5EF4-FFF2-40B4-BE49-F238E27FC236}">
+                <a16:creationId xmlns:a16="http://schemas.microsoft.com/office/drawing/2014/main" id="{A3C07264-BA9A-49A8-BB22-C810739A8291}"/>
+              </a:ext>
+            </a:extLst>
+          </p:cNvPr>
+          <p:cNvSpPr txBox="1"/>
+          <p:nvPr/>
+        </p:nvSpPr>
+        <p:spPr>
+          <a:xfrm>
+            <a:off x="7894418" y="448632"/>
+            <a:ext cx="3613425" cy="1384995"/>
+          </a:xfrm>
+          <a:prstGeom prst="rect">
+            <a:avLst/>
+          </a:prstGeom>
+          <a:noFill/>
+        </p:spPr>
+        <p:txBody>
+          <a:bodyPr wrap="none" rtlCol="0">
+            <a:spAutoFit/>
+          </a:bodyPr>
+          <a:lstStyle/>
+          <a:p>
+            <a:pPr algn="r"/>
+            <a:r>
+              <a:rPr lang="en-US" altLang="ko-KR" sz="2800" dirty="0">
+                <a:solidFill>
+                  <a:schemeClr val="accent6">
+                    <a:lumMod val="75000"/>
+                  </a:schemeClr>
+                </a:solidFill>
+                <a:latin typeface="KoPub돋움체 Bold" panose="00000800000000000000" pitchFamily="2" charset="-127"/>
+                <a:ea typeface="KoPub돋움체 Bold" panose="00000800000000000000" pitchFamily="2" charset="-127"/>
+              </a:rPr>
+              <a:t>How much dispersed</a:t>
+            </a:r>
+          </a:p>
+          <a:p>
+            <a:pPr algn="r"/>
+            <a:r>
+              <a:rPr lang="en-US" altLang="ko-KR" sz="2800" dirty="0">
+                <a:solidFill>
+                  <a:schemeClr val="accent6">
+                    <a:lumMod val="75000"/>
+                  </a:schemeClr>
+                </a:solidFill>
+                <a:latin typeface="KoPub돋움체 Bold" panose="00000800000000000000" pitchFamily="2" charset="-127"/>
+                <a:ea typeface="KoPub돋움체 Bold" panose="00000800000000000000" pitchFamily="2" charset="-127"/>
+              </a:rPr>
+              <a:t>in x, y direction</a:t>
+            </a:r>
+          </a:p>
+          <a:p>
+            <a:pPr algn="r"/>
+            <a:r>
+              <a:rPr lang="en-US" altLang="ko-KR" sz="2800" dirty="0">
+                <a:solidFill>
+                  <a:schemeClr val="accent6">
+                    <a:lumMod val="75000"/>
+                  </a:schemeClr>
+                </a:solidFill>
+                <a:latin typeface="KoPub돋움체 Bold" panose="00000800000000000000" pitchFamily="2" charset="-127"/>
+                <a:ea typeface="KoPub돋움체 Bold" panose="00000800000000000000" pitchFamily="2" charset="-127"/>
+              </a:rPr>
+              <a:t>altogether</a:t>
+            </a:r>
+            <a:endParaRPr lang="ko-KR" altLang="en-US" sz="2800" dirty="0">
+              <a:solidFill>
+                <a:schemeClr val="accent6">
+                  <a:lumMod val="75000"/>
+                </a:schemeClr>
+              </a:solidFill>
+              <a:latin typeface="KoPub돋움체 Bold" panose="00000800000000000000" pitchFamily="2" charset="-127"/>
+              <a:ea typeface="KoPub돋움체 Bold" panose="00000800000000000000" pitchFamily="2" charset="-127"/>
+            </a:endParaRPr>
+          </a:p>
+        </p:txBody>
+      </p:sp>
+      <p:sp>
+        <p:nvSpPr>
+          <p:cNvPr id="12" name="TextBox 11">
+            <a:extLst>
+              <a:ext uri="{FF2B5EF4-FFF2-40B4-BE49-F238E27FC236}">
+                <a16:creationId xmlns:a16="http://schemas.microsoft.com/office/drawing/2014/main" id="{8C41A8DA-3227-4F83-85B8-5D189DA2E118}"/>
+              </a:ext>
+            </a:extLst>
+          </p:cNvPr>
+          <p:cNvSpPr txBox="1"/>
+          <p:nvPr/>
+        </p:nvSpPr>
+        <p:spPr>
+          <a:xfrm>
+            <a:off x="847957" y="5210224"/>
+            <a:ext cx="4373890" cy="1384995"/>
+          </a:xfrm>
+          <a:prstGeom prst="rect">
+            <a:avLst/>
+          </a:prstGeom>
+          <a:noFill/>
+        </p:spPr>
+        <p:txBody>
+          <a:bodyPr wrap="none" rtlCol="0">
+            <a:spAutoFit/>
+          </a:bodyPr>
+          <a:lstStyle/>
+          <a:p>
+            <a:r>
+              <a:rPr lang="en-US" altLang="ko-KR" sz="2800" dirty="0">
+                <a:solidFill>
+                  <a:schemeClr val="accent6">
+                    <a:lumMod val="75000"/>
+                  </a:schemeClr>
+                </a:solidFill>
+                <a:latin typeface="KoPub돋움체 Bold" panose="00000800000000000000" pitchFamily="2" charset="-127"/>
+                <a:ea typeface="KoPub돋움체 Bold" panose="00000800000000000000" pitchFamily="2" charset="-127"/>
+              </a:rPr>
+              <a:t>How much</a:t>
+            </a:r>
+          </a:p>
+          <a:p>
+            <a:r>
+              <a:rPr lang="en-US" altLang="ko-KR" sz="2800" dirty="0">
+                <a:solidFill>
+                  <a:schemeClr val="accent6">
+                    <a:lumMod val="75000"/>
+                  </a:schemeClr>
+                </a:solidFill>
+                <a:latin typeface="KoPub돋움체 Bold" panose="00000800000000000000" pitchFamily="2" charset="-127"/>
+                <a:ea typeface="KoPub돋움체 Bold" panose="00000800000000000000" pitchFamily="2" charset="-127"/>
+              </a:rPr>
+              <a:t>dispersed</a:t>
+            </a:r>
+          </a:p>
+          <a:p>
+            <a:r>
+              <a:rPr lang="en-US" altLang="ko-KR" sz="2800" dirty="0">
+                <a:solidFill>
+                  <a:schemeClr val="accent6">
+                    <a:lumMod val="75000"/>
+                  </a:schemeClr>
+                </a:solidFill>
+                <a:latin typeface="KoPub돋움체 Bold" panose="00000800000000000000" pitchFamily="2" charset="-127"/>
+                <a:ea typeface="KoPub돋움체 Bold" panose="00000800000000000000" pitchFamily="2" charset="-127"/>
+              </a:rPr>
+              <a:t>in x, y direction altogether</a:t>
+            </a:r>
+            <a:endParaRPr lang="ko-KR" altLang="en-US" sz="2800" dirty="0">
+              <a:solidFill>
+                <a:schemeClr val="accent6">
+                  <a:lumMod val="75000"/>
+                </a:schemeClr>
+              </a:solidFill>
+              <a:latin typeface="KoPub돋움체 Bold" panose="00000800000000000000" pitchFamily="2" charset="-127"/>
+              <a:ea typeface="KoPub돋움체 Bold" panose="00000800000000000000" pitchFamily="2" charset="-127"/>
+            </a:endParaRPr>
+          </a:p>
+        </p:txBody>
+      </p:sp>
+    </p:spTree>
+    <p:extLst>
+      <p:ext uri="{BB962C8B-B14F-4D97-AF65-F5344CB8AC3E}">
+        <p14:creationId xmlns:p14="http://schemas.microsoft.com/office/powerpoint/2010/main" val="368509494"/>
+      </p:ext>
+    </p:extLst>
+  </p:cSld>
+  <p:clrMapOvr>
+    <a:masterClrMapping/>
+  </p:clrMapOvr>
+</p:sld>
+</file>
+
+<file path=ppt/slides/slide3.xml><?xml version="1.0" encoding="utf-8"?>
+<p:sld xmlns:a="http://schemas.openxmlformats.org/drawingml/2006/main" xmlns:r="http://schemas.openxmlformats.org/officeDocument/2006/relationships" xmlns:p="http://schemas.openxmlformats.org/presentationml/2006/main">
+  <p:cSld>
+    <p:spTree>
+      <p:nvGrpSpPr>
+        <p:cNvPr id="1" name=""/>
+        <p:cNvGrpSpPr/>
+        <p:nvPr/>
+      </p:nvGrpSpPr>
+      <p:grpSpPr>
+        <a:xfrm>
+          <a:off x="0" y="0"/>
+          <a:ext cx="0" cy="0"/>
+          <a:chOff x="0" y="0"/>
+          <a:chExt cx="0" cy="0"/>
+        </a:xfrm>
+      </p:grpSpPr>
       <p:pic>
         <p:nvPicPr>
           <p:cNvPr id="4" name="그림 3">
@@ -4244,6 +4958,604 @@
     <p:extLst>
       <p:ext uri="{BB962C8B-B14F-4D97-AF65-F5344CB8AC3E}">
         <p14:creationId xmlns:p14="http://schemas.microsoft.com/office/powerpoint/2010/main" val="3689192071"/>
+      </p:ext>
+    </p:extLst>
+  </p:cSld>
+  <p:clrMapOvr>
+    <a:masterClrMapping/>
+  </p:clrMapOvr>
+</p:sld>
+</file>
+
+<file path=ppt/slides/slide4.xml><?xml version="1.0" encoding="utf-8"?>
+<p:sld xmlns:a="http://schemas.openxmlformats.org/drawingml/2006/main" xmlns:r="http://schemas.openxmlformats.org/officeDocument/2006/relationships" xmlns:p="http://schemas.openxmlformats.org/presentationml/2006/main">
+  <p:cSld>
+    <p:spTree>
+      <p:nvGrpSpPr>
+        <p:cNvPr id="1" name=""/>
+        <p:cNvGrpSpPr/>
+        <p:nvPr/>
+      </p:nvGrpSpPr>
+      <p:grpSpPr>
+        <a:xfrm>
+          <a:off x="0" y="0"/>
+          <a:ext cx="0" cy="0"/>
+          <a:chOff x="0" y="0"/>
+          <a:chExt cx="0" cy="0"/>
+        </a:xfrm>
+      </p:grpSpPr>
+      <p:pic>
+        <p:nvPicPr>
+          <p:cNvPr id="4" name="그림 3">
+            <a:extLst>
+              <a:ext uri="{FF2B5EF4-FFF2-40B4-BE49-F238E27FC236}">
+                <a16:creationId xmlns:a16="http://schemas.microsoft.com/office/drawing/2014/main" id="{7403B92D-C994-498D-ACBB-2DA402E096C1}"/>
+              </a:ext>
+            </a:extLst>
+          </p:cNvPr>
+          <p:cNvPicPr>
+            <a:picLocks noChangeAspect="1"/>
+          </p:cNvPicPr>
+          <p:nvPr/>
+        </p:nvPicPr>
+        <p:blipFill>
+          <a:blip r:embed="rId2"/>
+          <a:stretch>
+            <a:fillRect/>
+          </a:stretch>
+        </p:blipFill>
+        <p:spPr>
+          <a:xfrm>
+            <a:off x="2163854" y="0"/>
+            <a:ext cx="7864291" cy="6858000"/>
+          </a:xfrm>
+          <a:prstGeom prst="rect">
+            <a:avLst/>
+          </a:prstGeom>
+        </p:spPr>
+      </p:pic>
+      <p:cxnSp>
+        <p:nvCxnSpPr>
+          <p:cNvPr id="6" name="직선 화살표 연결선 5">
+            <a:extLst>
+              <a:ext uri="{FF2B5EF4-FFF2-40B4-BE49-F238E27FC236}">
+                <a16:creationId xmlns:a16="http://schemas.microsoft.com/office/drawing/2014/main" id="{EE2B0325-97AA-429A-A53C-60BB074D6023}"/>
+              </a:ext>
+            </a:extLst>
+          </p:cNvPr>
+          <p:cNvCxnSpPr>
+            <a:cxnSpLocks/>
+          </p:cNvCxnSpPr>
+          <p:nvPr/>
+        </p:nvCxnSpPr>
+        <p:spPr>
+          <a:xfrm flipV="1">
+            <a:off x="6096000" y="426128"/>
+            <a:ext cx="2169111" cy="3002872"/>
+          </a:xfrm>
+          <a:prstGeom prst="straightConnector1">
+            <a:avLst/>
+          </a:prstGeom>
+          <a:ln w="76200">
+            <a:solidFill>
+              <a:schemeClr val="accent4"/>
+            </a:solidFill>
+            <a:tailEnd type="triangle"/>
+          </a:ln>
+        </p:spPr>
+        <p:style>
+          <a:lnRef idx="1">
+            <a:schemeClr val="accent1"/>
+          </a:lnRef>
+          <a:fillRef idx="0">
+            <a:schemeClr val="accent1"/>
+          </a:fillRef>
+          <a:effectRef idx="0">
+            <a:schemeClr val="accent1"/>
+          </a:effectRef>
+          <a:fontRef idx="minor">
+            <a:schemeClr val="tx1"/>
+          </a:fontRef>
+        </p:style>
+      </p:cxnSp>
+      <p:cxnSp>
+        <p:nvCxnSpPr>
+          <p:cNvPr id="8" name="직선 화살표 연결선 7">
+            <a:extLst>
+              <a:ext uri="{FF2B5EF4-FFF2-40B4-BE49-F238E27FC236}">
+                <a16:creationId xmlns:a16="http://schemas.microsoft.com/office/drawing/2014/main" id="{4F373AD7-8CD5-4780-A336-BFB5F0E04238}"/>
+              </a:ext>
+            </a:extLst>
+          </p:cNvPr>
+          <p:cNvCxnSpPr>
+            <a:cxnSpLocks/>
+          </p:cNvCxnSpPr>
+          <p:nvPr/>
+        </p:nvCxnSpPr>
+        <p:spPr>
+          <a:xfrm flipH="1" flipV="1">
+            <a:off x="5193437" y="2760955"/>
+            <a:ext cx="902563" cy="668046"/>
+          </a:xfrm>
+          <a:prstGeom prst="straightConnector1">
+            <a:avLst/>
+          </a:prstGeom>
+          <a:ln w="76200">
+            <a:solidFill>
+              <a:srgbClr val="FF0000"/>
+            </a:solidFill>
+            <a:tailEnd type="triangle"/>
+          </a:ln>
+        </p:spPr>
+        <p:style>
+          <a:lnRef idx="1">
+            <a:schemeClr val="accent1"/>
+          </a:lnRef>
+          <a:fillRef idx="0">
+            <a:schemeClr val="accent1"/>
+          </a:fillRef>
+          <a:effectRef idx="0">
+            <a:schemeClr val="accent1"/>
+          </a:effectRef>
+          <a:fontRef idx="minor">
+            <a:schemeClr val="tx1"/>
+          </a:fontRef>
+        </p:style>
+      </p:cxnSp>
+      <p:sp>
+        <p:nvSpPr>
+          <p:cNvPr id="11" name="TextBox 10">
+            <a:extLst>
+              <a:ext uri="{FF2B5EF4-FFF2-40B4-BE49-F238E27FC236}">
+                <a16:creationId xmlns:a16="http://schemas.microsoft.com/office/drawing/2014/main" id="{21E76138-6AE6-4442-B497-ECEDC6A404B8}"/>
+              </a:ext>
+            </a:extLst>
+          </p:cNvPr>
+          <p:cNvSpPr txBox="1"/>
+          <p:nvPr/>
+        </p:nvSpPr>
+        <p:spPr>
+          <a:xfrm>
+            <a:off x="7567995" y="9669"/>
+            <a:ext cx="2278316" cy="523220"/>
+          </a:xfrm>
+          <a:prstGeom prst="rect">
+            <a:avLst/>
+          </a:prstGeom>
+          <a:noFill/>
+        </p:spPr>
+        <p:txBody>
+          <a:bodyPr wrap="none" rtlCol="0">
+            <a:spAutoFit/>
+          </a:bodyPr>
+          <a:lstStyle/>
+          <a:p>
+            <a:r>
+              <a:rPr lang="en-US" altLang="ko-KR" sz="2800" dirty="0">
+                <a:solidFill>
+                  <a:schemeClr val="accent4"/>
+                </a:solidFill>
+                <a:latin typeface="KoPub돋움체 Bold" panose="00000800000000000000" pitchFamily="2" charset="-127"/>
+                <a:ea typeface="KoPub돋움체 Bold" panose="00000800000000000000" pitchFamily="2" charset="-127"/>
+              </a:rPr>
+              <a:t>eigenvector1</a:t>
+            </a:r>
+            <a:endParaRPr lang="ko-KR" altLang="en-US" sz="2800" dirty="0">
+              <a:solidFill>
+                <a:schemeClr val="accent4"/>
+              </a:solidFill>
+              <a:latin typeface="KoPub돋움체 Bold" panose="00000800000000000000" pitchFamily="2" charset="-127"/>
+              <a:ea typeface="KoPub돋움체 Bold" panose="00000800000000000000" pitchFamily="2" charset="-127"/>
+            </a:endParaRPr>
+          </a:p>
+        </p:txBody>
+      </p:sp>
+      <p:sp>
+        <p:nvSpPr>
+          <p:cNvPr id="12" name="TextBox 11">
+            <a:extLst>
+              <a:ext uri="{FF2B5EF4-FFF2-40B4-BE49-F238E27FC236}">
+                <a16:creationId xmlns:a16="http://schemas.microsoft.com/office/drawing/2014/main" id="{69E1A043-C340-4729-9DE0-A6E765B67695}"/>
+              </a:ext>
+            </a:extLst>
+          </p:cNvPr>
+          <p:cNvSpPr txBox="1"/>
+          <p:nvPr/>
+        </p:nvSpPr>
+        <p:spPr>
+          <a:xfrm>
+            <a:off x="3608555" y="2237735"/>
+            <a:ext cx="2278316" cy="523220"/>
+          </a:xfrm>
+          <a:prstGeom prst="rect">
+            <a:avLst/>
+          </a:prstGeom>
+          <a:noFill/>
+        </p:spPr>
+        <p:txBody>
+          <a:bodyPr wrap="none" rtlCol="0">
+            <a:spAutoFit/>
+          </a:bodyPr>
+          <a:lstStyle/>
+          <a:p>
+            <a:r>
+              <a:rPr lang="en-US" altLang="ko-KR" sz="2800" dirty="0">
+                <a:solidFill>
+                  <a:srgbClr val="FF0000"/>
+                </a:solidFill>
+                <a:latin typeface="KoPub돋움체 Bold" panose="00000800000000000000" pitchFamily="2" charset="-127"/>
+                <a:ea typeface="KoPub돋움체 Bold" panose="00000800000000000000" pitchFamily="2" charset="-127"/>
+              </a:rPr>
+              <a:t>eigenvector2</a:t>
+            </a:r>
+            <a:endParaRPr lang="ko-KR" altLang="en-US" sz="2800" dirty="0">
+              <a:solidFill>
+                <a:srgbClr val="FF0000"/>
+              </a:solidFill>
+              <a:latin typeface="KoPub돋움체 Bold" panose="00000800000000000000" pitchFamily="2" charset="-127"/>
+              <a:ea typeface="KoPub돋움체 Bold" panose="00000800000000000000" pitchFamily="2" charset="-127"/>
+            </a:endParaRPr>
+          </a:p>
+        </p:txBody>
+      </p:sp>
+    </p:spTree>
+    <p:extLst>
+      <p:ext uri="{BB962C8B-B14F-4D97-AF65-F5344CB8AC3E}">
+        <p14:creationId xmlns:p14="http://schemas.microsoft.com/office/powerpoint/2010/main" val="3042604599"/>
+      </p:ext>
+    </p:extLst>
+  </p:cSld>
+  <p:clrMapOvr>
+    <a:masterClrMapping/>
+  </p:clrMapOvr>
+</p:sld>
+</file>
+
+<file path=ppt/slides/slide5.xml><?xml version="1.0" encoding="utf-8"?>
+<p:sld xmlns:a="http://schemas.openxmlformats.org/drawingml/2006/main" xmlns:r="http://schemas.openxmlformats.org/officeDocument/2006/relationships" xmlns:p="http://schemas.openxmlformats.org/presentationml/2006/main">
+  <p:cSld>
+    <p:spTree>
+      <p:nvGrpSpPr>
+        <p:cNvPr id="1" name=""/>
+        <p:cNvGrpSpPr/>
+        <p:nvPr/>
+      </p:nvGrpSpPr>
+      <p:grpSpPr>
+        <a:xfrm>
+          <a:off x="0" y="0"/>
+          <a:ext cx="0" cy="0"/>
+          <a:chOff x="0" y="0"/>
+          <a:chExt cx="0" cy="0"/>
+        </a:xfrm>
+      </p:grpSpPr>
+      <p:pic>
+        <p:nvPicPr>
+          <p:cNvPr id="5" name="Picture 4" descr="Chart, scatter chart&#10;&#10;Description automatically generated">
+            <a:extLst>
+              <a:ext uri="{FF2B5EF4-FFF2-40B4-BE49-F238E27FC236}">
+                <a16:creationId xmlns:a16="http://schemas.microsoft.com/office/drawing/2014/main" id="{9F728CCD-C458-6F35-8FFF-80E0F2950E9F}"/>
+              </a:ext>
+            </a:extLst>
+          </p:cNvPr>
+          <p:cNvPicPr>
+            <a:picLocks noChangeAspect="1"/>
+          </p:cNvPicPr>
+          <p:nvPr/>
+        </p:nvPicPr>
+        <p:blipFill>
+          <a:blip r:embed="rId2">
+            <a:extLst>
+              <a:ext uri="{28A0092B-C50C-407E-A947-70E740481C1C}">
+                <a14:useLocalDpi xmlns:a14="http://schemas.microsoft.com/office/drawing/2010/main" val="0"/>
+              </a:ext>
+            </a:extLst>
+          </a:blip>
+          <a:stretch>
+            <a:fillRect/>
+          </a:stretch>
+        </p:blipFill>
+        <p:spPr>
+          <a:xfrm>
+            <a:off x="3352794" y="1600196"/>
+            <a:ext cx="5486411" cy="3657607"/>
+          </a:xfrm>
+          <a:prstGeom prst="rect">
+            <a:avLst/>
+          </a:prstGeom>
+        </p:spPr>
+      </p:pic>
+      <p:sp>
+        <p:nvSpPr>
+          <p:cNvPr id="6" name="TextBox 5">
+            <a:extLst>
+              <a:ext uri="{FF2B5EF4-FFF2-40B4-BE49-F238E27FC236}">
+                <a16:creationId xmlns:a16="http://schemas.microsoft.com/office/drawing/2014/main" id="{A06F9A04-E2AE-1DE7-6C75-5E70B6AA68A4}"/>
+              </a:ext>
+            </a:extLst>
+          </p:cNvPr>
+          <p:cNvSpPr txBox="1"/>
+          <p:nvPr/>
+        </p:nvSpPr>
+        <p:spPr>
+          <a:xfrm>
+            <a:off x="5011387" y="1623946"/>
+            <a:ext cx="2433615" cy="369332"/>
+          </a:xfrm>
+          <a:prstGeom prst="rect">
+            <a:avLst/>
+          </a:prstGeom>
+          <a:solidFill>
+            <a:schemeClr val="bg1"/>
+          </a:solidFill>
+        </p:spPr>
+        <p:txBody>
+          <a:bodyPr wrap="none" rtlCol="0">
+            <a:spAutoFit/>
+          </a:bodyPr>
+          <a:lstStyle/>
+          <a:p>
+            <a:r>
+              <a:rPr lang="en-US" dirty="0"/>
+              <a:t>Scatter Plot of Scores</a:t>
+            </a:r>
+          </a:p>
+        </p:txBody>
+      </p:sp>
+      <p:sp>
+        <p:nvSpPr>
+          <p:cNvPr id="7" name="TextBox 6">
+            <a:extLst>
+              <a:ext uri="{FF2B5EF4-FFF2-40B4-BE49-F238E27FC236}">
+                <a16:creationId xmlns:a16="http://schemas.microsoft.com/office/drawing/2014/main" id="{74884C90-1DBA-F957-66F7-BB96C6E97C83}"/>
+              </a:ext>
+            </a:extLst>
+          </p:cNvPr>
+          <p:cNvSpPr txBox="1"/>
+          <p:nvPr/>
+        </p:nvSpPr>
+        <p:spPr>
+          <a:xfrm>
+            <a:off x="5427019" y="5049386"/>
+            <a:ext cx="1566263" cy="369332"/>
+          </a:xfrm>
+          <a:prstGeom prst="rect">
+            <a:avLst/>
+          </a:prstGeom>
+          <a:solidFill>
+            <a:schemeClr val="bg1"/>
+          </a:solidFill>
+        </p:spPr>
+        <p:txBody>
+          <a:bodyPr wrap="none" rtlCol="0">
+            <a:spAutoFit/>
+          </a:bodyPr>
+          <a:lstStyle/>
+          <a:p>
+            <a:r>
+              <a:rPr lang="en-US" dirty="0"/>
+              <a:t>Korean Score</a:t>
+            </a:r>
+          </a:p>
+        </p:txBody>
+      </p:sp>
+      <p:sp>
+        <p:nvSpPr>
+          <p:cNvPr id="8" name="TextBox 7">
+            <a:extLst>
+              <a:ext uri="{FF2B5EF4-FFF2-40B4-BE49-F238E27FC236}">
+                <a16:creationId xmlns:a16="http://schemas.microsoft.com/office/drawing/2014/main" id="{E8ED30C4-1B7F-2B1D-D853-9666855E0278}"/>
+              </a:ext>
+            </a:extLst>
+          </p:cNvPr>
+          <p:cNvSpPr txBox="1"/>
+          <p:nvPr/>
+        </p:nvSpPr>
+        <p:spPr>
+          <a:xfrm rot="16200000">
+            <a:off x="2749457" y="3244334"/>
+            <a:ext cx="1576009" cy="369332"/>
+          </a:xfrm>
+          <a:prstGeom prst="rect">
+            <a:avLst/>
+          </a:prstGeom>
+          <a:solidFill>
+            <a:schemeClr val="bg1"/>
+          </a:solidFill>
+        </p:spPr>
+        <p:txBody>
+          <a:bodyPr wrap="none" rtlCol="0">
+            <a:spAutoFit/>
+          </a:bodyPr>
+          <a:lstStyle/>
+          <a:p>
+            <a:r>
+              <a:rPr lang="en-US" dirty="0"/>
+              <a:t>English Score</a:t>
+            </a:r>
+          </a:p>
+        </p:txBody>
+      </p:sp>
+    </p:spTree>
+    <p:extLst>
+      <p:ext uri="{BB962C8B-B14F-4D97-AF65-F5344CB8AC3E}">
+        <p14:creationId xmlns:p14="http://schemas.microsoft.com/office/powerpoint/2010/main" val="1077340198"/>
+      </p:ext>
+    </p:extLst>
+  </p:cSld>
+  <p:clrMapOvr>
+    <a:masterClrMapping/>
+  </p:clrMapOvr>
+</p:sld>
+</file>
+
+<file path=ppt/slides/slide6.xml><?xml version="1.0" encoding="utf-8"?>
+<p:sld xmlns:a="http://schemas.openxmlformats.org/drawingml/2006/main" xmlns:r="http://schemas.openxmlformats.org/officeDocument/2006/relationships" xmlns:p="http://schemas.openxmlformats.org/presentationml/2006/main">
+  <p:cSld>
+    <p:spTree>
+      <p:nvGrpSpPr>
+        <p:cNvPr id="1" name=""/>
+        <p:cNvGrpSpPr/>
+        <p:nvPr/>
+      </p:nvGrpSpPr>
+      <p:grpSpPr>
+        <a:xfrm>
+          <a:off x="0" y="0"/>
+          <a:ext cx="0" cy="0"/>
+          <a:chOff x="0" y="0"/>
+          <a:chExt cx="0" cy="0"/>
+        </a:xfrm>
+      </p:grpSpPr>
+      <p:pic>
+        <p:nvPicPr>
+          <p:cNvPr id="3" name="Picture 2" descr="Chart, scatter chart&#10;&#10;Description automatically generated">
+            <a:extLst>
+              <a:ext uri="{FF2B5EF4-FFF2-40B4-BE49-F238E27FC236}">
+                <a16:creationId xmlns:a16="http://schemas.microsoft.com/office/drawing/2014/main" id="{B17E61AA-2419-7515-65FD-828253090D45}"/>
+              </a:ext>
+            </a:extLst>
+          </p:cNvPr>
+          <p:cNvPicPr>
+            <a:picLocks noChangeAspect="1"/>
+          </p:cNvPicPr>
+          <p:nvPr/>
+        </p:nvPicPr>
+        <p:blipFill>
+          <a:blip r:embed="rId2">
+            <a:extLst>
+              <a:ext uri="{28A0092B-C50C-407E-A947-70E740481C1C}">
+                <a14:useLocalDpi xmlns:a14="http://schemas.microsoft.com/office/drawing/2010/main" val="0"/>
+              </a:ext>
+            </a:extLst>
+          </a:blip>
+          <a:stretch>
+            <a:fillRect/>
+          </a:stretch>
+        </p:blipFill>
+        <p:spPr>
+          <a:xfrm>
+            <a:off x="3339578" y="1557942"/>
+            <a:ext cx="5851923" cy="3901280"/>
+          </a:xfrm>
+          <a:prstGeom prst="rect">
+            <a:avLst/>
+          </a:prstGeom>
+        </p:spPr>
+      </p:pic>
+      <p:sp>
+        <p:nvSpPr>
+          <p:cNvPr id="6" name="TextBox 5">
+            <a:extLst>
+              <a:ext uri="{FF2B5EF4-FFF2-40B4-BE49-F238E27FC236}">
+                <a16:creationId xmlns:a16="http://schemas.microsoft.com/office/drawing/2014/main" id="{A06F9A04-E2AE-1DE7-6C75-5E70B6AA68A4}"/>
+              </a:ext>
+            </a:extLst>
+          </p:cNvPr>
+          <p:cNvSpPr txBox="1"/>
+          <p:nvPr/>
+        </p:nvSpPr>
+        <p:spPr>
+          <a:xfrm>
+            <a:off x="5011387" y="1623946"/>
+            <a:ext cx="2433615" cy="369332"/>
+          </a:xfrm>
+          <a:prstGeom prst="rect">
+            <a:avLst/>
+          </a:prstGeom>
+          <a:solidFill>
+            <a:schemeClr val="bg1"/>
+          </a:solidFill>
+        </p:spPr>
+        <p:txBody>
+          <a:bodyPr wrap="none" rtlCol="0">
+            <a:spAutoFit/>
+          </a:bodyPr>
+          <a:lstStyle/>
+          <a:p>
+            <a:r>
+              <a:rPr lang="en-US" dirty="0"/>
+              <a:t>Scatter Plot of Scores</a:t>
+            </a:r>
+          </a:p>
+        </p:txBody>
+      </p:sp>
+      <p:sp>
+        <p:nvSpPr>
+          <p:cNvPr id="7" name="TextBox 6">
+            <a:extLst>
+              <a:ext uri="{FF2B5EF4-FFF2-40B4-BE49-F238E27FC236}">
+                <a16:creationId xmlns:a16="http://schemas.microsoft.com/office/drawing/2014/main" id="{74884C90-1DBA-F957-66F7-BB96C6E97C83}"/>
+              </a:ext>
+            </a:extLst>
+          </p:cNvPr>
+          <p:cNvSpPr txBox="1"/>
+          <p:nvPr/>
+        </p:nvSpPr>
+        <p:spPr>
+          <a:xfrm>
+            <a:off x="5427019" y="5239393"/>
+            <a:ext cx="1566263" cy="369332"/>
+          </a:xfrm>
+          <a:prstGeom prst="rect">
+            <a:avLst/>
+          </a:prstGeom>
+          <a:solidFill>
+            <a:schemeClr val="bg1"/>
+          </a:solidFill>
+        </p:spPr>
+        <p:txBody>
+          <a:bodyPr wrap="none" rtlCol="0">
+            <a:spAutoFit/>
+          </a:bodyPr>
+          <a:lstStyle/>
+          <a:p>
+            <a:r>
+              <a:rPr lang="en-US" dirty="0"/>
+              <a:t>Korean Score</a:t>
+            </a:r>
+          </a:p>
+        </p:txBody>
+      </p:sp>
+      <p:sp>
+        <p:nvSpPr>
+          <p:cNvPr id="8" name="TextBox 7">
+            <a:extLst>
+              <a:ext uri="{FF2B5EF4-FFF2-40B4-BE49-F238E27FC236}">
+                <a16:creationId xmlns:a16="http://schemas.microsoft.com/office/drawing/2014/main" id="{E8ED30C4-1B7F-2B1D-D853-9666855E0278}"/>
+              </a:ext>
+            </a:extLst>
+          </p:cNvPr>
+          <p:cNvSpPr txBox="1"/>
+          <p:nvPr/>
+        </p:nvSpPr>
+        <p:spPr>
+          <a:xfrm rot="16200000">
+            <a:off x="2796957" y="3244334"/>
+            <a:ext cx="1576009" cy="369332"/>
+          </a:xfrm>
+          <a:prstGeom prst="rect">
+            <a:avLst/>
+          </a:prstGeom>
+          <a:solidFill>
+            <a:schemeClr val="bg1"/>
+          </a:solidFill>
+        </p:spPr>
+        <p:txBody>
+          <a:bodyPr wrap="none" rtlCol="0">
+            <a:spAutoFit/>
+          </a:bodyPr>
+          <a:lstStyle/>
+          <a:p>
+            <a:r>
+              <a:rPr lang="en-US" dirty="0"/>
+              <a:t>English Score</a:t>
+            </a:r>
+          </a:p>
+        </p:txBody>
+      </p:sp>
+    </p:spTree>
+    <p:extLst>
+      <p:ext uri="{BB962C8B-B14F-4D97-AF65-F5344CB8AC3E}">
+        <p14:creationId xmlns:p14="http://schemas.microsoft.com/office/powerpoint/2010/main" val="2093142702"/>
       </p:ext>
     </p:extLst>
   </p:cSld>
